--- a/images/survival-kit/shiny-update-inputs.pptx
+++ b/images/survival-kit/shiny-update-inputs.pptx
@@ -6,7 +6,6 @@
   </p:sldMasterIdLst>
   <p:sldIdLst>
     <p:sldId id="256" r:id="rId2"/>
-    <p:sldId id="257" r:id="rId3"/>
   </p:sldIdLst>
   <p:sldSz cx="12192000" cy="6858000"/>
   <p:notesSz cx="6858000" cy="9144000"/>
@@ -105,6 +104,11 @@
       </a:defRPr>
     </a:lvl9pPr>
   </p:defaultTextStyle>
+  <p:extLst>
+    <p:ext uri="{EFAFB233-063F-42B5-8137-9DF3F51BA10A}">
+      <p15:sldGuideLst xmlns:p15="http://schemas.microsoft.com/office/powerpoint/2012/main"/>
+    </p:ext>
+  </p:extLst>
 </p:presentation>
 </file>
 
@@ -257,7 +261,7 @@
           <a:p>
             <a:fld id="{BF0FF323-7AF6-6E4F-9A80-0EAB1598977E}" type="datetimeFigureOut">
               <a:rPr lang="en-CH" smtClean="0"/>
-              <a:t>17.05.20</a:t>
+              <a:t>14.03.21</a:t>
             </a:fld>
             <a:endParaRPr lang="en-CH"/>
           </a:p>
@@ -457,7 +461,7 @@
           <a:p>
             <a:fld id="{BF0FF323-7AF6-6E4F-9A80-0EAB1598977E}" type="datetimeFigureOut">
               <a:rPr lang="en-CH" smtClean="0"/>
-              <a:t>17.05.20</a:t>
+              <a:t>14.03.21</a:t>
             </a:fld>
             <a:endParaRPr lang="en-CH"/>
           </a:p>
@@ -667,7 +671,7 @@
           <a:p>
             <a:fld id="{BF0FF323-7AF6-6E4F-9A80-0EAB1598977E}" type="datetimeFigureOut">
               <a:rPr lang="en-CH" smtClean="0"/>
-              <a:t>17.05.20</a:t>
+              <a:t>14.03.21</a:t>
             </a:fld>
             <a:endParaRPr lang="en-CH"/>
           </a:p>
@@ -867,7 +871,7 @@
           <a:p>
             <a:fld id="{BF0FF323-7AF6-6E4F-9A80-0EAB1598977E}" type="datetimeFigureOut">
               <a:rPr lang="en-CH" smtClean="0"/>
-              <a:t>17.05.20</a:t>
+              <a:t>14.03.21</a:t>
             </a:fld>
             <a:endParaRPr lang="en-CH"/>
           </a:p>
@@ -1143,7 +1147,7 @@
           <a:p>
             <a:fld id="{BF0FF323-7AF6-6E4F-9A80-0EAB1598977E}" type="datetimeFigureOut">
               <a:rPr lang="en-CH" smtClean="0"/>
-              <a:t>17.05.20</a:t>
+              <a:t>14.03.21</a:t>
             </a:fld>
             <a:endParaRPr lang="en-CH"/>
           </a:p>
@@ -1411,7 +1415,7 @@
           <a:p>
             <a:fld id="{BF0FF323-7AF6-6E4F-9A80-0EAB1598977E}" type="datetimeFigureOut">
               <a:rPr lang="en-CH" smtClean="0"/>
-              <a:t>17.05.20</a:t>
+              <a:t>14.03.21</a:t>
             </a:fld>
             <a:endParaRPr lang="en-CH"/>
           </a:p>
@@ -1826,7 +1830,7 @@
           <a:p>
             <a:fld id="{BF0FF323-7AF6-6E4F-9A80-0EAB1598977E}" type="datetimeFigureOut">
               <a:rPr lang="en-CH" smtClean="0"/>
-              <a:t>17.05.20</a:t>
+              <a:t>14.03.21</a:t>
             </a:fld>
             <a:endParaRPr lang="en-CH"/>
           </a:p>
@@ -1968,7 +1972,7 @@
           <a:p>
             <a:fld id="{BF0FF323-7AF6-6E4F-9A80-0EAB1598977E}" type="datetimeFigureOut">
               <a:rPr lang="en-CH" smtClean="0"/>
-              <a:t>17.05.20</a:t>
+              <a:t>14.03.21</a:t>
             </a:fld>
             <a:endParaRPr lang="en-CH"/>
           </a:p>
@@ -2081,7 +2085,7 @@
           <a:p>
             <a:fld id="{BF0FF323-7AF6-6E4F-9A80-0EAB1598977E}" type="datetimeFigureOut">
               <a:rPr lang="en-CH" smtClean="0"/>
-              <a:t>17.05.20</a:t>
+              <a:t>14.03.21</a:t>
             </a:fld>
             <a:endParaRPr lang="en-CH"/>
           </a:p>
@@ -2394,7 +2398,7 @@
           <a:p>
             <a:fld id="{BF0FF323-7AF6-6E4F-9A80-0EAB1598977E}" type="datetimeFigureOut">
               <a:rPr lang="en-CH" smtClean="0"/>
-              <a:t>17.05.20</a:t>
+              <a:t>14.03.21</a:t>
             </a:fld>
             <a:endParaRPr lang="en-CH"/>
           </a:p>
@@ -2683,7 +2687,7 @@
           <a:p>
             <a:fld id="{BF0FF323-7AF6-6E4F-9A80-0EAB1598977E}" type="datetimeFigureOut">
               <a:rPr lang="en-CH" smtClean="0"/>
-              <a:t>17.05.20</a:t>
+              <a:t>14.03.21</a:t>
             </a:fld>
             <a:endParaRPr lang="en-CH"/>
           </a:p>
@@ -2926,7 +2930,7 @@
           <a:p>
             <a:fld id="{BF0FF323-7AF6-6E4F-9A80-0EAB1598977E}" type="datetimeFigureOut">
               <a:rPr lang="en-CH" smtClean="0"/>
-              <a:t>17.05.20</a:t>
+              <a:t>14.03.21</a:t>
             </a:fld>
             <a:endParaRPr lang="en-CH"/>
           </a:p>
@@ -3357,19 +3361,17 @@
         </p:nvSpPr>
         <p:spPr>
           <a:xfrm>
-            <a:off x="2248066" y="2521792"/>
+            <a:off x="2228472" y="2525234"/>
             <a:ext cx="1546668" cy="715618"/>
           </a:xfrm>
           <a:prstGeom prst="rect">
             <a:avLst/>
           </a:prstGeom>
-          <a:solidFill>
-            <a:schemeClr val="bg1">
-              <a:lumMod val="75000"/>
-            </a:schemeClr>
-          </a:solidFill>
-          <a:ln>
-            <a:noFill/>
+          <a:noFill/>
+          <a:ln w="38100">
+            <a:solidFill>
+              <a:schemeClr val="tx1"/>
+            </a:solidFill>
           </a:ln>
         </p:spPr>
         <p:style>
@@ -3394,13 +3396,22 @@
           <a:p>
             <a:pPr algn="ctr"/>
             <a:r>
-              <a:rPr lang="en-CH" dirty="0">
+              <a:rPr lang="en-CH" sz="2000" b="1" dirty="0">
                 <a:solidFill>
-                  <a:schemeClr val="tx1"/>
+                  <a:schemeClr val="bg1">
+                    <a:lumMod val="65000"/>
+                  </a:schemeClr>
                 </a:solidFill>
               </a:rPr>
-              <a:t>textInput1</a:t>
-            </a:r>
+              <a:t>newValue</a:t>
+            </a:r>
+            <a:endParaRPr lang="en-CH" b="1" dirty="0">
+              <a:solidFill>
+                <a:schemeClr val="bg1">
+                  <a:lumMod val="65000"/>
+                </a:schemeClr>
+              </a:solidFill>
+            </a:endParaRPr>
           </a:p>
         </p:txBody>
       </p:sp>
@@ -3418,8 +3429,8 @@
         </p:nvSpPr>
         <p:spPr>
           <a:xfrm>
-            <a:off x="7730163" y="4340122"/>
-            <a:ext cx="4917990" cy="923330"/>
+            <a:off x="8069853" y="4348260"/>
+            <a:ext cx="4917990" cy="1938992"/>
           </a:xfrm>
           <a:prstGeom prst="rect">
             <a:avLst/>
@@ -3433,51 +3444,79 @@
           <a:lstStyle/>
           <a:p>
             <a:r>
-              <a:rPr lang="en-CH" dirty="0"/>
+              <a:rPr lang="en-CH" sz="2000" dirty="0"/>
               <a:t>observeEvent(</a:t>
             </a:r>
             <a:r>
-              <a:rPr lang="en-CH" b="1" dirty="0">
+              <a:rPr lang="en-CH" sz="2000" b="1" dirty="0"/>
+              <a:t>input$update</a:t>
+            </a:r>
+            <a:r>
+              <a:rPr lang="en-CH" sz="2000" dirty="0"/>
+              <a:t>, {</a:t>
+            </a:r>
+          </a:p>
+          <a:p>
+            <a:r>
+              <a:rPr lang="en-CH" sz="2000" dirty="0"/>
+              <a:t>    </a:t>
+            </a:r>
+            <a:r>
+              <a:rPr lang="en-GB" sz="2000" dirty="0"/>
+              <a:t>s</a:t>
+            </a:r>
+            <a:r>
+              <a:rPr lang="en-CH" sz="2000" dirty="0"/>
+              <a:t>ession$sendInputMessage(</a:t>
+            </a:r>
+          </a:p>
+          <a:p>
+            <a:r>
+              <a:rPr lang="en-CH" sz="2000" b="1" dirty="0">
                 <a:solidFill>
-                  <a:srgbClr val="00B0F0"/>
+                  <a:schemeClr val="bg1">
+                    <a:lumMod val="65000"/>
+                  </a:schemeClr>
                 </a:solidFill>
               </a:rPr>
-              <a:t>input$update</a:t>
-            </a:r>
-            <a:r>
-              <a:rPr lang="en-CH" dirty="0"/>
-              <a:t>, {</a:t>
-            </a:r>
-          </a:p>
-          <a:p>
-            <a:r>
-              <a:rPr lang="en-CH" dirty="0"/>
-              <a:t>    </a:t>
-            </a:r>
-            <a:r>
-              <a:rPr lang="en-GB" dirty="0"/>
-              <a:t>s</a:t>
-            </a:r>
-            <a:r>
-              <a:rPr lang="en-CH" dirty="0"/>
-              <a:t>ession$sendInputMessage(</a:t>
-            </a:r>
-            <a:r>
-              <a:rPr lang="en-CH" b="1" dirty="0">
+              <a:t>      inputId</a:t>
+            </a:r>
+            <a:r>
+              <a:rPr lang="en-CH" sz="2000" dirty="0"/>
+              <a:t>, </a:t>
+            </a:r>
+          </a:p>
+          <a:p>
+            <a:r>
+              <a:rPr lang="en-CH" sz="2000" b="1" dirty="0">
                 <a:solidFill>
-                  <a:srgbClr val="C00000"/>
+                  <a:schemeClr val="bg1">
+                    <a:lumMod val="65000"/>
+                  </a:schemeClr>
                 </a:solidFill>
               </a:rPr>
-              <a:t>inputId</a:t>
-            </a:r>
-            <a:r>
-              <a:rPr lang="en-CH" dirty="0"/>
-              <a:t>, message)</a:t>
-            </a:r>
-          </a:p>
-          <a:p>
-            <a:r>
-              <a:rPr lang="en-CH" dirty="0"/>
+              <a:t>      message</a:t>
+            </a:r>
+          </a:p>
+          <a:p>
+            <a:r>
+              <a:rPr lang="en-CH" sz="2000" b="1" dirty="0">
+                <a:solidFill>
+                  <a:schemeClr val="bg1">
+                    <a:lumMod val="65000"/>
+                  </a:schemeClr>
+                </a:solidFill>
+              </a:rPr>
+              <a:t>     </a:t>
+            </a:r>
+            <a:r>
+              <a:rPr lang="en-CH" sz="2000" dirty="0"/>
+              <a:t>)</a:t>
+            </a:r>
+          </a:p>
+          <a:p>
+            <a:r>
+              <a:rPr lang="en-CH" sz="2000" dirty="0"/>
               <a:t>})</a:t>
             </a:r>
           </a:p>
@@ -3585,8 +3624,8 @@
         </p:nvSpPr>
         <p:spPr>
           <a:xfrm>
-            <a:off x="9380600" y="6271061"/>
-            <a:ext cx="1458097" cy="707886"/>
+            <a:off x="8662695" y="6180195"/>
+            <a:ext cx="2457173" cy="707886"/>
           </a:xfrm>
           <a:prstGeom prst="rect">
             <a:avLst/>
@@ -3601,7 +3640,7 @@
           <a:p>
             <a:r>
               <a:rPr lang="en-CH" sz="4000" b="1" dirty="0"/>
-              <a:t>R</a:t>
+              <a:t>R (server)</a:t>
             </a:r>
           </a:p>
         </p:txBody>
@@ -3620,8 +3659,8 @@
         </p:nvSpPr>
         <p:spPr>
           <a:xfrm>
-            <a:off x="2813580" y="6271061"/>
-            <a:ext cx="1458097" cy="707886"/>
+            <a:off x="2057771" y="6196103"/>
+            <a:ext cx="2994096" cy="707886"/>
           </a:xfrm>
           <a:prstGeom prst="rect">
             <a:avLst/>
@@ -3636,7 +3675,7 @@
           <a:p>
             <a:r>
               <a:rPr lang="en-CH" sz="4000" b="1" dirty="0"/>
-              <a:t>JS</a:t>
+              <a:t>JS (client)</a:t>
             </a:r>
           </a:p>
         </p:txBody>
@@ -3656,7 +3695,7 @@
         <p:spPr>
           <a:xfrm>
             <a:off x="3843909" y="2670636"/>
-            <a:ext cx="875561" cy="369332"/>
+            <a:ext cx="955711" cy="400110"/>
           </a:xfrm>
           <a:prstGeom prst="rect">
             <a:avLst/>
@@ -3669,13 +3708,22 @@
           <a:lstStyle/>
           <a:p>
             <a:r>
-              <a:rPr lang="en-CH" b="1" dirty="0">
+              <a:rPr lang="en-CH" sz="2000" b="1" dirty="0">
                 <a:solidFill>
-                  <a:srgbClr val="C00000"/>
+                  <a:schemeClr val="bg1">
+                    <a:lumMod val="65000"/>
+                  </a:schemeClr>
                 </a:solidFill>
               </a:rPr>
               <a:t>inputId</a:t>
             </a:r>
+            <a:endParaRPr lang="en-CH" b="1" dirty="0">
+              <a:solidFill>
+                <a:schemeClr val="bg1">
+                  <a:lumMod val="65000"/>
+                </a:schemeClr>
+              </a:solidFill>
+            </a:endParaRPr>
           </a:p>
         </p:txBody>
       </p:sp>
@@ -3693,8 +3741,8 @@
         </p:nvSpPr>
         <p:spPr>
           <a:xfrm>
-            <a:off x="1002139" y="4961371"/>
-            <a:ext cx="997068" cy="369332"/>
+            <a:off x="646562" y="4951053"/>
+            <a:ext cx="1103635" cy="400110"/>
           </a:xfrm>
           <a:prstGeom prst="rect">
             <a:avLst/>
@@ -3707,48 +3755,22 @@
           <a:lstStyle/>
           <a:p>
             <a:r>
-              <a:rPr lang="en-CH" dirty="0"/>
+              <a:rPr lang="en-CH" sz="2000" b="1" dirty="0">
+                <a:solidFill>
+                  <a:schemeClr val="bg1">
+                    <a:lumMod val="65000"/>
+                  </a:schemeClr>
+                </a:solidFill>
+              </a:rPr>
               <a:t>message</a:t>
             </a:r>
-          </a:p>
-        </p:txBody>
-      </p:sp>
-      <p:sp>
-        <p:nvSpPr>
-          <p:cNvPr id="27" name="TextBox 26">
-            <a:extLst>
-              <a:ext uri="{FF2B5EF4-FFF2-40B4-BE49-F238E27FC236}">
-                <a16:creationId xmlns:a16="http://schemas.microsoft.com/office/drawing/2014/main" id="{F59E862A-30E4-6047-BFBF-3288D8182C6B}"/>
-              </a:ext>
-            </a:extLst>
-          </p:cNvPr>
-          <p:cNvSpPr txBox="1"/>
-          <p:nvPr/>
-        </p:nvSpPr>
-        <p:spPr>
-          <a:xfrm>
-            <a:off x="2642367" y="3315558"/>
-            <a:ext cx="704039" cy="369332"/>
-          </a:xfrm>
-          <a:prstGeom prst="rect">
-            <a:avLst/>
-          </a:prstGeom>
-          <a:noFill/>
-        </p:spPr>
-        <p:txBody>
-          <a:bodyPr wrap="none" rtlCol="0">
-            <a:spAutoFit/>
-          </a:bodyPr>
-          <a:lstStyle/>
-          <a:p>
-            <a:r>
-              <a:rPr lang="en-GB" dirty="0"/>
-              <a:t>V</a:t>
-            </a:r>
-            <a:r>
-              <a:rPr lang="en-CH" dirty="0"/>
-              <a:t>alue</a:t>
-            </a:r>
+            <a:endParaRPr lang="en-CH" b="1" dirty="0">
+              <a:solidFill>
+                <a:schemeClr val="bg1">
+                  <a:lumMod val="65000"/>
+                </a:schemeClr>
+              </a:solidFill>
+            </a:endParaRPr>
           </a:p>
         </p:txBody>
       </p:sp>
@@ -3892,7 +3914,7 @@
         <p:spPr>
           <a:xfrm>
             <a:off x="2506715" y="4750998"/>
-            <a:ext cx="1458097" cy="369332"/>
+            <a:ext cx="1458097" cy="400110"/>
           </a:xfrm>
           <a:prstGeom prst="rect">
             <a:avLst/>
@@ -3906,11 +3928,23 @@
           <a:lstStyle/>
           <a:p>
             <a:r>
-              <a:rPr lang="en-GB" dirty="0"/>
+              <a:rPr lang="en-GB" sz="2000" b="1" dirty="0">
+                <a:solidFill>
+                  <a:schemeClr val="bg1">
+                    <a:lumMod val="65000"/>
+                  </a:schemeClr>
+                </a:solidFill>
+              </a:rPr>
               <a:t>n</a:t>
             </a:r>
             <a:r>
-              <a:rPr lang="en-CH" dirty="0"/>
+              <a:rPr lang="en-CH" sz="2000" b="1" dirty="0">
+                <a:solidFill>
+                  <a:schemeClr val="bg1">
+                    <a:lumMod val="65000"/>
+                  </a:schemeClr>
+                </a:solidFill>
+              </a:rPr>
               <a:t>ewValue</a:t>
             </a:r>
           </a:p>
@@ -3966,16 +4000,16 @@
           <p:nvPr/>
         </p:nvCxnSpPr>
         <p:spPr>
-          <a:xfrm flipV="1">
-            <a:off x="2959589" y="3702170"/>
-            <a:ext cx="0" cy="1048828"/>
+          <a:xfrm flipH="1" flipV="1">
+            <a:off x="3001574" y="3360090"/>
+            <a:ext cx="10746" cy="1321998"/>
           </a:xfrm>
           <a:prstGeom prst="straightConnector1">
             <a:avLst/>
           </a:prstGeom>
           <a:ln w="63500">
             <a:solidFill>
-              <a:srgbClr val="00B050"/>
+              <a:schemeClr val="tx1"/>
             </a:solidFill>
             <a:tailEnd type="triangle"/>
           </a:ln>
@@ -4113,6 +4147,9 @@
               <a:lumMod val="75000"/>
             </a:schemeClr>
           </a:solidFill>
+          <a:ln>
+            <a:noFill/>
+          </a:ln>
         </p:spPr>
         <p:style>
           <a:lnRef idx="2">
@@ -4153,8 +4190,8 @@
         </p:nvSpPr>
         <p:spPr>
           <a:xfrm>
-            <a:off x="843535" y="4077857"/>
-            <a:ext cx="2146845" cy="369332"/>
+            <a:off x="646563" y="3844365"/>
+            <a:ext cx="2343632" cy="400110"/>
           </a:xfrm>
           <a:prstGeom prst="rect">
             <a:avLst/>
@@ -4168,12 +4205,22 @@
           <a:lstStyle/>
           <a:p>
             <a:r>
-              <a:rPr lang="en-CH" b="1" dirty="0">
+              <a:rPr lang="en-CH" sz="2000" b="1" dirty="0"/>
+              <a:t>setValue(</a:t>
+            </a:r>
+            <a:r>
+              <a:rPr lang="en-CH" sz="2000" b="1" dirty="0">
                 <a:solidFill>
-                  <a:srgbClr val="00B050"/>
+                  <a:schemeClr val="bg1">
+                    <a:lumMod val="65000"/>
+                  </a:schemeClr>
                 </a:solidFill>
               </a:rPr>
-              <a:t>setValue(newValue)</a:t>
+              <a:t>newValue</a:t>
+            </a:r>
+            <a:r>
+              <a:rPr lang="en-CH" sz="2000" b="1" dirty="0"/>
+              <a:t>)</a:t>
             </a:r>
           </a:p>
         </p:txBody>
@@ -4194,7 +4241,7 @@
         </p:nvCxnSpPr>
         <p:spPr>
           <a:xfrm flipH="1">
-            <a:off x="4343909" y="4783030"/>
+            <a:off x="4232696" y="4783030"/>
             <a:ext cx="3602010" cy="0"/>
           </a:xfrm>
           <a:prstGeom prst="straightConnector1">
@@ -4236,7 +4283,7 @@
         </p:nvSpPr>
         <p:spPr>
           <a:xfrm rot="16200000">
-            <a:off x="5885951" y="3628182"/>
+            <a:off x="5774738" y="3628182"/>
             <a:ext cx="914400" cy="2360141"/>
           </a:xfrm>
           <a:prstGeom prst="can">
@@ -4247,6 +4294,9 @@
               <a:lumMod val="75000"/>
             </a:schemeClr>
           </a:solidFill>
+          <a:ln>
+            <a:noFill/>
+          </a:ln>
         </p:spPr>
         <p:style>
           <a:lnRef idx="2">
@@ -4287,7 +4337,7 @@
         </p:nvSpPr>
         <p:spPr>
           <a:xfrm>
-            <a:off x="1320064" y="654813"/>
+            <a:off x="3418302" y="586269"/>
             <a:ext cx="850996" cy="855785"/>
           </a:xfrm>
           <a:prstGeom prst="ellipse">
@@ -4345,7 +4395,7 @@
         </p:nvSpPr>
         <p:spPr>
           <a:xfrm>
-            <a:off x="1345761" y="759541"/>
+            <a:off x="3443999" y="690997"/>
             <a:ext cx="1494218" cy="646331"/>
           </a:xfrm>
           <a:prstGeom prst="rect">
@@ -4360,13 +4410,16 @@
           <a:lstStyle/>
           <a:p>
             <a:r>
-              <a:rPr lang="en-GB" dirty="0"/>
-              <a:t>U</a:t>
-            </a:r>
-            <a:r>
-              <a:rPr lang="en-CH" dirty="0"/>
-              <a:t>pdate button</a:t>
-            </a:r>
+              <a:rPr lang="de-CH" dirty="0"/>
+              <a:t>Button </a:t>
+            </a:r>
+          </a:p>
+          <a:p>
+            <a:r>
+              <a:rPr lang="de-CH" dirty="0" err="1"/>
+              <a:t>click</a:t>
+            </a:r>
+            <a:endParaRPr lang="en-CH" dirty="0"/>
           </a:p>
         </p:txBody>
       </p:sp>
@@ -4385,7 +4438,7 @@
         <p:spPr>
           <a:xfrm>
             <a:off x="8229733" y="865678"/>
-            <a:ext cx="1661549" cy="369332"/>
+            <a:ext cx="1661549" cy="400110"/>
           </a:xfrm>
           <a:prstGeom prst="rect">
             <a:avLst/>
@@ -4399,19 +4452,11 @@
           <a:lstStyle/>
           <a:p>
             <a:r>
-              <a:rPr lang="en-GB" b="1" dirty="0">
-                <a:solidFill>
-                  <a:srgbClr val="00B0F0"/>
-                </a:solidFill>
-              </a:rPr>
+              <a:rPr lang="en-GB" sz="2000" b="1" dirty="0"/>
               <a:t>i</a:t>
             </a:r>
             <a:r>
-              <a:rPr lang="en-CH" b="1" dirty="0">
-                <a:solidFill>
-                  <a:srgbClr val="00B0F0"/>
-                </a:solidFill>
-              </a:rPr>
+              <a:rPr lang="en-CH" sz="2000" b="1" dirty="0"/>
               <a:t>nput$update</a:t>
             </a:r>
           </a:p>
@@ -4476,7 +4521,7 @@
         <p:spPr>
           <a:xfrm>
             <a:off x="9662540" y="2506657"/>
-            <a:ext cx="894219" cy="369332"/>
+            <a:ext cx="975652" cy="400110"/>
           </a:xfrm>
           <a:prstGeom prst="rect">
             <a:avLst/>
@@ -4490,94 +4535,13 @@
           <a:lstStyle/>
           <a:p>
             <a:r>
-              <a:rPr lang="en-CH" dirty="0"/>
+              <a:rPr lang="en-CH" sz="2000" dirty="0"/>
               <a:t>triggers</a:t>
             </a:r>
-          </a:p>
-        </p:txBody>
-      </p:sp>
-      <p:sp>
-        <p:nvSpPr>
-          <p:cNvPr id="66" name="Rectangle 65">
-            <a:extLst>
-              <a:ext uri="{FF2B5EF4-FFF2-40B4-BE49-F238E27FC236}">
-                <a16:creationId xmlns:a16="http://schemas.microsoft.com/office/drawing/2014/main" id="{6709341C-3305-B74F-B1D6-99F926237B43}"/>
-              </a:ext>
-            </a:extLst>
-          </p:cNvPr>
-          <p:cNvSpPr/>
-          <p:nvPr/>
-        </p:nvSpPr>
-        <p:spPr>
-          <a:xfrm>
-            <a:off x="8259984" y="5759562"/>
-            <a:ext cx="2850589" cy="369332"/>
-          </a:xfrm>
-          <a:prstGeom prst="rect">
-            <a:avLst/>
-          </a:prstGeom>
-        </p:spPr>
-        <p:txBody>
-          <a:bodyPr wrap="none">
-            <a:spAutoFit/>
-          </a:bodyPr>
-          <a:lstStyle/>
-          <a:p>
-            <a:r>
-              <a:rPr lang="en-GB" dirty="0"/>
-              <a:t>m</a:t>
-            </a:r>
-            <a:r>
-              <a:rPr lang="en-CH" dirty="0"/>
-              <a:t>essage &lt;- list(value = …, …)</a:t>
-            </a:r>
-          </a:p>
-        </p:txBody>
-      </p:sp>
-      <p:cxnSp>
-        <p:nvCxnSpPr>
-          <p:cNvPr id="67" name="Straight Arrow Connector 66">
-            <a:extLst>
-              <a:ext uri="{FF2B5EF4-FFF2-40B4-BE49-F238E27FC236}">
-                <a16:creationId xmlns:a16="http://schemas.microsoft.com/office/drawing/2014/main" id="{130DD9EA-9004-E142-875F-E98B0E56921F}"/>
-              </a:ext>
-            </a:extLst>
-          </p:cNvPr>
-          <p:cNvCxnSpPr>
-            <a:cxnSpLocks/>
-          </p:cNvCxnSpPr>
-          <p:nvPr/>
-        </p:nvCxnSpPr>
-        <p:spPr>
-          <a:xfrm flipV="1">
-            <a:off x="11110573" y="4967696"/>
-            <a:ext cx="554954" cy="891716"/>
-          </a:xfrm>
-          <a:prstGeom prst="straightConnector1">
-            <a:avLst/>
-          </a:prstGeom>
-          <a:ln w="63500">
-            <a:solidFill>
-              <a:schemeClr val="tx1"/>
-            </a:solidFill>
-            <a:tailEnd type="triangle"/>
-          </a:ln>
-        </p:spPr>
-        <p:style>
-          <a:lnRef idx="1">
-            <a:schemeClr val="accent1"/>
-          </a:lnRef>
-          <a:fillRef idx="0">
-            <a:schemeClr val="accent1"/>
-          </a:fillRef>
-          <a:effectRef idx="0">
-            <a:schemeClr val="accent1"/>
-          </a:effectRef>
-          <a:fontRef idx="minor">
-            <a:schemeClr val="tx1"/>
-          </a:fontRef>
-        </p:style>
-      </p:cxnSp>
+            <a:endParaRPr lang="en-CH" dirty="0"/>
+          </a:p>
+        </p:txBody>
+      </p:sp>
       <p:sp>
         <p:nvSpPr>
           <p:cNvPr id="73" name="TextBox 72">
@@ -4592,7 +4556,7 @@
         </p:nvSpPr>
         <p:spPr>
           <a:xfrm>
-            <a:off x="3325414" y="370037"/>
+            <a:off x="4414435" y="1273419"/>
             <a:ext cx="679108" cy="369332"/>
           </a:xfrm>
           <a:prstGeom prst="rect">
@@ -4662,7 +4626,7 @@
         </p:nvSpPr>
         <p:spPr>
           <a:xfrm>
-            <a:off x="3103700" y="4041918"/>
+            <a:off x="3120568" y="3847158"/>
             <a:ext cx="679108" cy="369332"/>
           </a:xfrm>
           <a:prstGeom prst="rect">
@@ -4685,10 +4649,10 @@
       </p:sp>
       <p:sp>
         <p:nvSpPr>
-          <p:cNvPr id="76" name="TextBox 75">
-            <a:extLst>
-              <a:ext uri="{FF2B5EF4-FFF2-40B4-BE49-F238E27FC236}">
-                <a16:creationId xmlns:a16="http://schemas.microsoft.com/office/drawing/2014/main" id="{F54C6343-9698-6D44-8C74-B958061EB8F6}"/>
+          <p:cNvPr id="79" name="TextBox 78">
+            <a:extLst>
+              <a:ext uri="{FF2B5EF4-FFF2-40B4-BE49-F238E27FC236}">
+                <a16:creationId xmlns:a16="http://schemas.microsoft.com/office/drawing/2014/main" id="{13609CEE-A4AB-854C-A1F2-AEC28072E957}"/>
               </a:ext>
             </a:extLst>
           </p:cNvPr>
@@ -4697,8 +4661,8 @@
         </p:nvSpPr>
         <p:spPr>
           <a:xfrm>
-            <a:off x="2570200" y="906681"/>
-            <a:ext cx="2146845" cy="369332"/>
+            <a:off x="3064324" y="201878"/>
+            <a:ext cx="1661549" cy="400110"/>
           </a:xfrm>
           <a:prstGeom prst="rect">
             <a:avLst/>
@@ -4712,22 +4676,22 @@
           <a:lstStyle/>
           <a:p>
             <a:r>
-              <a:rPr lang="en-GB" dirty="0"/>
-              <a:t>U</a:t>
-            </a:r>
-            <a:r>
-              <a:rPr lang="en-CH" dirty="0"/>
-              <a:t>ser action -&gt; click</a:t>
-            </a:r>
-          </a:p>
-        </p:txBody>
-      </p:sp>
-      <p:sp>
-        <p:nvSpPr>
-          <p:cNvPr id="79" name="TextBox 78">
-            <a:extLst>
-              <a:ext uri="{FF2B5EF4-FFF2-40B4-BE49-F238E27FC236}">
-                <a16:creationId xmlns:a16="http://schemas.microsoft.com/office/drawing/2014/main" id="{13609CEE-A4AB-854C-A1F2-AEC28072E957}"/>
+              <a:rPr lang="en-GB" sz="2000" b="1" dirty="0"/>
+              <a:t>i</a:t>
+            </a:r>
+            <a:r>
+              <a:rPr lang="en-CH" sz="2000" b="1" dirty="0"/>
+              <a:t>nput$update</a:t>
+            </a:r>
+          </a:p>
+        </p:txBody>
+      </p:sp>
+      <p:sp>
+        <p:nvSpPr>
+          <p:cNvPr id="82" name="TextBox 81">
+            <a:extLst>
+              <a:ext uri="{FF2B5EF4-FFF2-40B4-BE49-F238E27FC236}">
+                <a16:creationId xmlns:a16="http://schemas.microsoft.com/office/drawing/2014/main" id="{3B998DB1-DD1B-814B-9120-60DD13A6B84C}"/>
               </a:ext>
             </a:extLst>
           </p:cNvPr>
@@ -4736,8 +4700,8 @@
         </p:nvSpPr>
         <p:spPr>
           <a:xfrm>
-            <a:off x="966086" y="270422"/>
-            <a:ext cx="1661549" cy="369332"/>
+            <a:off x="5479848" y="865678"/>
+            <a:ext cx="1271375" cy="369332"/>
           </a:xfrm>
           <a:prstGeom prst="rect">
             <a:avLst/>
@@ -4751,30 +4715,18 @@
           <a:lstStyle/>
           <a:p>
             <a:r>
-              <a:rPr lang="en-GB" b="1" dirty="0">
-                <a:solidFill>
-                  <a:srgbClr val="00B0F0"/>
-                </a:solidFill>
-              </a:rPr>
-              <a:t>i</a:t>
-            </a:r>
-            <a:r>
-              <a:rPr lang="en-CH" b="1" dirty="0">
-                <a:solidFill>
-                  <a:srgbClr val="00B0F0"/>
-                </a:solidFill>
-              </a:rPr>
-              <a:t>nput$update</a:t>
-            </a:r>
-          </a:p>
-        </p:txBody>
-      </p:sp>
-      <p:sp>
-        <p:nvSpPr>
-          <p:cNvPr id="82" name="TextBox 81">
-            <a:extLst>
-              <a:ext uri="{FF2B5EF4-FFF2-40B4-BE49-F238E27FC236}">
-                <a16:creationId xmlns:a16="http://schemas.microsoft.com/office/drawing/2014/main" id="{3B998DB1-DD1B-814B-9120-60DD13A6B84C}"/>
+              <a:rPr lang="en-CH" dirty="0"/>
+              <a:t>websocket</a:t>
+            </a:r>
+          </a:p>
+        </p:txBody>
+      </p:sp>
+      <p:sp>
+        <p:nvSpPr>
+          <p:cNvPr id="83" name="TextBox 82">
+            <a:extLst>
+              <a:ext uri="{FF2B5EF4-FFF2-40B4-BE49-F238E27FC236}">
+                <a16:creationId xmlns:a16="http://schemas.microsoft.com/office/drawing/2014/main" id="{7A058460-F466-2B4F-8370-3B291696592B}"/>
               </a:ext>
             </a:extLst>
           </p:cNvPr>
@@ -4783,7 +4735,7 @@
         </p:nvSpPr>
         <p:spPr>
           <a:xfrm>
-            <a:off x="5479848" y="865678"/>
+            <a:off x="5625567" y="4598364"/>
             <a:ext cx="1271375" cy="369332"/>
           </a:xfrm>
           <a:prstGeom prst="rect">
@@ -4804,1574 +4756,10 @@
           </a:p>
         </p:txBody>
       </p:sp>
-      <p:sp>
-        <p:nvSpPr>
-          <p:cNvPr id="83" name="TextBox 82">
-            <a:extLst>
-              <a:ext uri="{FF2B5EF4-FFF2-40B4-BE49-F238E27FC236}">
-                <a16:creationId xmlns:a16="http://schemas.microsoft.com/office/drawing/2014/main" id="{7A058460-F466-2B4F-8370-3B291696592B}"/>
-              </a:ext>
-            </a:extLst>
-          </p:cNvPr>
-          <p:cNvSpPr txBox="1"/>
-          <p:nvPr/>
-        </p:nvSpPr>
-        <p:spPr>
-          <a:xfrm>
-            <a:off x="5662638" y="4598364"/>
-            <a:ext cx="1271375" cy="369332"/>
-          </a:xfrm>
-          <a:prstGeom prst="rect">
-            <a:avLst/>
-          </a:prstGeom>
-          <a:noFill/>
-        </p:spPr>
-        <p:txBody>
-          <a:bodyPr wrap="square" rtlCol="0">
-            <a:spAutoFit/>
-          </a:bodyPr>
-          <a:lstStyle/>
-          <a:p>
-            <a:r>
-              <a:rPr lang="en-CH" dirty="0"/>
-              <a:t>websocket</a:t>
-            </a:r>
-          </a:p>
-        </p:txBody>
-      </p:sp>
     </p:spTree>
     <p:extLst>
       <p:ext uri="{BB962C8B-B14F-4D97-AF65-F5344CB8AC3E}">
         <p14:creationId xmlns:p14="http://schemas.microsoft.com/office/powerpoint/2010/main" val="1041767460"/>
-      </p:ext>
-    </p:extLst>
-  </p:cSld>
-  <p:clrMapOvr>
-    <a:masterClrMapping/>
-  </p:clrMapOvr>
-</p:sld>
-</file>
-
-<file path=ppt/slides/slide2.xml><?xml version="1.0" encoding="utf-8"?>
-<p:sld xmlns:a="http://schemas.openxmlformats.org/drawingml/2006/main" xmlns:r="http://schemas.openxmlformats.org/officeDocument/2006/relationships" xmlns:p="http://schemas.openxmlformats.org/presentationml/2006/main">
-  <p:cSld>
-    <p:spTree>
-      <p:nvGrpSpPr>
-        <p:cNvPr id="1" name=""/>
-        <p:cNvGrpSpPr/>
-        <p:nvPr/>
-      </p:nvGrpSpPr>
-      <p:grpSpPr>
-        <a:xfrm>
-          <a:off x="0" y="0"/>
-          <a:ext cx="0" cy="0"/>
-          <a:chOff x="0" y="0"/>
-          <a:chExt cx="0" cy="0"/>
-        </a:xfrm>
-      </p:grpSpPr>
-      <p:sp>
-        <p:nvSpPr>
-          <p:cNvPr id="4" name="Rectangle 3">
-            <a:extLst>
-              <a:ext uri="{FF2B5EF4-FFF2-40B4-BE49-F238E27FC236}">
-                <a16:creationId xmlns:a16="http://schemas.microsoft.com/office/drawing/2014/main" id="{7D924650-C5DD-6341-BDA8-30AC88359EFD}"/>
-              </a:ext>
-            </a:extLst>
-          </p:cNvPr>
-          <p:cNvSpPr/>
-          <p:nvPr/>
-        </p:nvSpPr>
-        <p:spPr>
-          <a:xfrm>
-            <a:off x="8632816" y="164716"/>
-            <a:ext cx="2146852" cy="715618"/>
-          </a:xfrm>
-          <a:prstGeom prst="rect">
-            <a:avLst/>
-          </a:prstGeom>
-          <a:solidFill>
-            <a:schemeClr val="bg1">
-              <a:lumMod val="75000"/>
-            </a:schemeClr>
-          </a:solidFill>
-          <a:ln>
-            <a:noFill/>
-          </a:ln>
-        </p:spPr>
-        <p:style>
-          <a:lnRef idx="2">
-            <a:schemeClr val="accent1">
-              <a:shade val="50000"/>
-            </a:schemeClr>
-          </a:lnRef>
-          <a:fillRef idx="1">
-            <a:schemeClr val="accent1"/>
-          </a:fillRef>
-          <a:effectRef idx="0">
-            <a:schemeClr val="accent1"/>
-          </a:effectRef>
-          <a:fontRef idx="minor">
-            <a:schemeClr val="lt1"/>
-          </a:fontRef>
-        </p:style>
-        <p:txBody>
-          <a:bodyPr rtlCol="0" anchor="ctr"/>
-          <a:lstStyle/>
-          <a:p>
-            <a:pPr algn="ctr"/>
-            <a:r>
-              <a:rPr lang="en-CH" dirty="0">
-                <a:solidFill>
-                  <a:schemeClr val="tx1"/>
-                </a:solidFill>
-              </a:rPr>
-              <a:t>textInput</a:t>
-            </a:r>
-          </a:p>
-        </p:txBody>
-      </p:sp>
-      <p:sp>
-        <p:nvSpPr>
-          <p:cNvPr id="5" name="TextBox 4">
-            <a:extLst>
-              <a:ext uri="{FF2B5EF4-FFF2-40B4-BE49-F238E27FC236}">
-                <a16:creationId xmlns:a16="http://schemas.microsoft.com/office/drawing/2014/main" id="{8F474C7B-9500-1F49-BB1A-C69C613298C8}"/>
-              </a:ext>
-            </a:extLst>
-          </p:cNvPr>
-          <p:cNvSpPr txBox="1"/>
-          <p:nvPr/>
-        </p:nvSpPr>
-        <p:spPr>
-          <a:xfrm>
-            <a:off x="2857" y="3132574"/>
-            <a:ext cx="4917990" cy="923330"/>
-          </a:xfrm>
-          <a:prstGeom prst="rect">
-            <a:avLst/>
-          </a:prstGeom>
-          <a:noFill/>
-        </p:spPr>
-        <p:txBody>
-          <a:bodyPr wrap="square" rtlCol="0">
-            <a:spAutoFit/>
-          </a:bodyPr>
-          <a:lstStyle/>
-          <a:p>
-            <a:r>
-              <a:rPr lang="en-CH" dirty="0"/>
-              <a:t>observeEvent(</a:t>
-            </a:r>
-            <a:r>
-              <a:rPr lang="en-CH" b="1" dirty="0">
-                <a:solidFill>
-                  <a:srgbClr val="00B0F0"/>
-                </a:solidFill>
-              </a:rPr>
-              <a:t>input$update</a:t>
-            </a:r>
-            <a:r>
-              <a:rPr lang="en-CH" dirty="0"/>
-              <a:t>, {</a:t>
-            </a:r>
-          </a:p>
-          <a:p>
-            <a:r>
-              <a:rPr lang="en-CH" dirty="0"/>
-              <a:t>    </a:t>
-            </a:r>
-            <a:r>
-              <a:rPr lang="en-GB" dirty="0"/>
-              <a:t>s</a:t>
-            </a:r>
-            <a:r>
-              <a:rPr lang="en-CH" dirty="0"/>
-              <a:t>ession$sendInputMessage(</a:t>
-            </a:r>
-            <a:r>
-              <a:rPr lang="en-CH" b="1" dirty="0">
-                <a:solidFill>
-                  <a:srgbClr val="C00000"/>
-                </a:solidFill>
-              </a:rPr>
-              <a:t>inputId</a:t>
-            </a:r>
-            <a:r>
-              <a:rPr lang="en-CH" dirty="0"/>
-              <a:t>, message)</a:t>
-            </a:r>
-          </a:p>
-          <a:p>
-            <a:r>
-              <a:rPr lang="en-CH" dirty="0"/>
-              <a:t>})</a:t>
-            </a:r>
-          </a:p>
-        </p:txBody>
-      </p:sp>
-      <p:cxnSp>
-        <p:nvCxnSpPr>
-          <p:cNvPr id="14" name="Straight Connector 13">
-            <a:extLst>
-              <a:ext uri="{FF2B5EF4-FFF2-40B4-BE49-F238E27FC236}">
-                <a16:creationId xmlns:a16="http://schemas.microsoft.com/office/drawing/2014/main" id="{9E9C91D1-233D-AA43-976D-A17912D22AF8}"/>
-              </a:ext>
-            </a:extLst>
-          </p:cNvPr>
-          <p:cNvCxnSpPr>
-            <a:cxnSpLocks/>
-          </p:cNvCxnSpPr>
-          <p:nvPr/>
-        </p:nvCxnSpPr>
-        <p:spPr>
-          <a:xfrm>
-            <a:off x="6252519" y="123567"/>
-            <a:ext cx="18535" cy="2730844"/>
-          </a:xfrm>
-          <a:prstGeom prst="line">
-            <a:avLst/>
-          </a:prstGeom>
-          <a:ln w="127000">
-            <a:solidFill>
-              <a:schemeClr val="tx1"/>
-            </a:solidFill>
-            <a:prstDash val="sysDash"/>
-          </a:ln>
-        </p:spPr>
-        <p:style>
-          <a:lnRef idx="1">
-            <a:schemeClr val="accent1"/>
-          </a:lnRef>
-          <a:fillRef idx="0">
-            <a:schemeClr val="accent1"/>
-          </a:fillRef>
-          <a:effectRef idx="0">
-            <a:schemeClr val="accent1"/>
-          </a:effectRef>
-          <a:fontRef idx="minor">
-            <a:schemeClr val="tx1"/>
-          </a:fontRef>
-        </p:style>
-      </p:cxnSp>
-      <p:cxnSp>
-        <p:nvCxnSpPr>
-          <p:cNvPr id="16" name="Straight Connector 15">
-            <a:extLst>
-              <a:ext uri="{FF2B5EF4-FFF2-40B4-BE49-F238E27FC236}">
-                <a16:creationId xmlns:a16="http://schemas.microsoft.com/office/drawing/2014/main" id="{62FE5489-3A82-7A4D-9AB9-66D2100A5836}"/>
-              </a:ext>
-            </a:extLst>
-          </p:cNvPr>
-          <p:cNvCxnSpPr>
-            <a:cxnSpLocks/>
-          </p:cNvCxnSpPr>
-          <p:nvPr/>
-        </p:nvCxnSpPr>
-        <p:spPr>
-          <a:xfrm>
-            <a:off x="6283411" y="4348260"/>
-            <a:ext cx="37070" cy="2377301"/>
-          </a:xfrm>
-          <a:prstGeom prst="line">
-            <a:avLst/>
-          </a:prstGeom>
-          <a:ln w="127000">
-            <a:solidFill>
-              <a:schemeClr val="tx1"/>
-            </a:solidFill>
-            <a:prstDash val="sysDash"/>
-          </a:ln>
-        </p:spPr>
-        <p:style>
-          <a:lnRef idx="1">
-            <a:schemeClr val="accent1"/>
-          </a:lnRef>
-          <a:fillRef idx="0">
-            <a:schemeClr val="accent1"/>
-          </a:fillRef>
-          <a:effectRef idx="0">
-            <a:schemeClr val="accent1"/>
-          </a:effectRef>
-          <a:fontRef idx="minor">
-            <a:schemeClr val="tx1"/>
-          </a:fontRef>
-        </p:style>
-      </p:cxnSp>
-      <p:sp>
-        <p:nvSpPr>
-          <p:cNvPr id="21" name="TextBox 20">
-            <a:extLst>
-              <a:ext uri="{FF2B5EF4-FFF2-40B4-BE49-F238E27FC236}">
-                <a16:creationId xmlns:a16="http://schemas.microsoft.com/office/drawing/2014/main" id="{6F527648-DE7F-624A-86A6-6344E6B0383E}"/>
-              </a:ext>
-            </a:extLst>
-          </p:cNvPr>
-          <p:cNvSpPr txBox="1"/>
-          <p:nvPr/>
-        </p:nvSpPr>
-        <p:spPr>
-          <a:xfrm>
-            <a:off x="5611907" y="3973388"/>
-            <a:ext cx="1271375" cy="369332"/>
-          </a:xfrm>
-          <a:prstGeom prst="rect">
-            <a:avLst/>
-          </a:prstGeom>
-          <a:noFill/>
-        </p:spPr>
-        <p:txBody>
-          <a:bodyPr wrap="square" rtlCol="0">
-            <a:spAutoFit/>
-          </a:bodyPr>
-          <a:lstStyle/>
-          <a:p>
-            <a:r>
-              <a:rPr lang="en-CH" dirty="0"/>
-              <a:t>websocket</a:t>
-            </a:r>
-          </a:p>
-        </p:txBody>
-      </p:sp>
-      <p:sp>
-        <p:nvSpPr>
-          <p:cNvPr id="22" name="TextBox 21">
-            <a:extLst>
-              <a:ext uri="{FF2B5EF4-FFF2-40B4-BE49-F238E27FC236}">
-                <a16:creationId xmlns:a16="http://schemas.microsoft.com/office/drawing/2014/main" id="{81E9A3F4-481C-314D-B52D-FA51B70FAA51}"/>
-              </a:ext>
-            </a:extLst>
-          </p:cNvPr>
-          <p:cNvSpPr txBox="1"/>
-          <p:nvPr/>
-        </p:nvSpPr>
-        <p:spPr>
-          <a:xfrm>
-            <a:off x="2977979" y="5879235"/>
-            <a:ext cx="1458097" cy="707886"/>
-          </a:xfrm>
-          <a:prstGeom prst="rect">
-            <a:avLst/>
-          </a:prstGeom>
-          <a:noFill/>
-        </p:spPr>
-        <p:txBody>
-          <a:bodyPr wrap="square" rtlCol="0">
-            <a:spAutoFit/>
-          </a:bodyPr>
-          <a:lstStyle/>
-          <a:p>
-            <a:r>
-              <a:rPr lang="en-CH" sz="4000" b="1" dirty="0"/>
-              <a:t>R</a:t>
-            </a:r>
-          </a:p>
-        </p:txBody>
-      </p:sp>
-      <p:sp>
-        <p:nvSpPr>
-          <p:cNvPr id="23" name="TextBox 22">
-            <a:extLst>
-              <a:ext uri="{FF2B5EF4-FFF2-40B4-BE49-F238E27FC236}">
-                <a16:creationId xmlns:a16="http://schemas.microsoft.com/office/drawing/2014/main" id="{EE07DB47-F00C-354F-BABC-8EBF81552F90}"/>
-              </a:ext>
-            </a:extLst>
-          </p:cNvPr>
-          <p:cNvSpPr txBox="1"/>
-          <p:nvPr/>
-        </p:nvSpPr>
-        <p:spPr>
-          <a:xfrm>
-            <a:off x="9214021" y="5879235"/>
-            <a:ext cx="1458097" cy="707886"/>
-          </a:xfrm>
-          <a:prstGeom prst="rect">
-            <a:avLst/>
-          </a:prstGeom>
-          <a:noFill/>
-        </p:spPr>
-        <p:txBody>
-          <a:bodyPr wrap="square" rtlCol="0">
-            <a:spAutoFit/>
-          </a:bodyPr>
-          <a:lstStyle/>
-          <a:p>
-            <a:r>
-              <a:rPr lang="en-CH" sz="4000" b="1" dirty="0"/>
-              <a:t>JS</a:t>
-            </a:r>
-          </a:p>
-        </p:txBody>
-      </p:sp>
-      <p:sp>
-        <p:nvSpPr>
-          <p:cNvPr id="24" name="Rectangle 23">
-            <a:extLst>
-              <a:ext uri="{FF2B5EF4-FFF2-40B4-BE49-F238E27FC236}">
-                <a16:creationId xmlns:a16="http://schemas.microsoft.com/office/drawing/2014/main" id="{AADDDD14-9E5E-2E4E-8E72-A89BE8F6D85C}"/>
-              </a:ext>
-            </a:extLst>
-          </p:cNvPr>
-          <p:cNvSpPr/>
-          <p:nvPr/>
-        </p:nvSpPr>
-        <p:spPr>
-          <a:xfrm>
-            <a:off x="8752159" y="944043"/>
-            <a:ext cx="875561" cy="369332"/>
-          </a:xfrm>
-          <a:prstGeom prst="rect">
-            <a:avLst/>
-          </a:prstGeom>
-        </p:spPr>
-        <p:txBody>
-          <a:bodyPr wrap="none">
-            <a:spAutoFit/>
-          </a:bodyPr>
-          <a:lstStyle/>
-          <a:p>
-            <a:r>
-              <a:rPr lang="en-CH" b="1" dirty="0">
-                <a:solidFill>
-                  <a:srgbClr val="C00000"/>
-                </a:solidFill>
-              </a:rPr>
-              <a:t>inputId</a:t>
-            </a:r>
-          </a:p>
-        </p:txBody>
-      </p:sp>
-      <p:sp>
-        <p:nvSpPr>
-          <p:cNvPr id="25" name="Rectangle 24">
-            <a:extLst>
-              <a:ext uri="{FF2B5EF4-FFF2-40B4-BE49-F238E27FC236}">
-                <a16:creationId xmlns:a16="http://schemas.microsoft.com/office/drawing/2014/main" id="{E7520BB8-E6EE-7543-9E0E-2D8A2635E8D1}"/>
-              </a:ext>
-            </a:extLst>
-          </p:cNvPr>
-          <p:cNvSpPr/>
-          <p:nvPr/>
-        </p:nvSpPr>
-        <p:spPr>
-          <a:xfrm>
-            <a:off x="8560441" y="3325981"/>
-            <a:ext cx="997068" cy="369332"/>
-          </a:xfrm>
-          <a:prstGeom prst="rect">
-            <a:avLst/>
-          </a:prstGeom>
-        </p:spPr>
-        <p:txBody>
-          <a:bodyPr wrap="none">
-            <a:spAutoFit/>
-          </a:bodyPr>
-          <a:lstStyle/>
-          <a:p>
-            <a:r>
-              <a:rPr lang="en-CH" dirty="0"/>
-              <a:t>message</a:t>
-            </a:r>
-          </a:p>
-        </p:txBody>
-      </p:sp>
-      <p:sp>
-        <p:nvSpPr>
-          <p:cNvPr id="27" name="TextBox 26">
-            <a:extLst>
-              <a:ext uri="{FF2B5EF4-FFF2-40B4-BE49-F238E27FC236}">
-                <a16:creationId xmlns:a16="http://schemas.microsoft.com/office/drawing/2014/main" id="{F59E862A-30E4-6047-BFBF-3288D8182C6B}"/>
-              </a:ext>
-            </a:extLst>
-          </p:cNvPr>
-          <p:cNvSpPr txBox="1"/>
-          <p:nvPr/>
-        </p:nvSpPr>
-        <p:spPr>
-          <a:xfrm>
-            <a:off x="9763376" y="944043"/>
-            <a:ext cx="704039" cy="369332"/>
-          </a:xfrm>
-          <a:prstGeom prst="rect">
-            <a:avLst/>
-          </a:prstGeom>
-          <a:noFill/>
-        </p:spPr>
-        <p:txBody>
-          <a:bodyPr wrap="none" rtlCol="0">
-            <a:spAutoFit/>
-          </a:bodyPr>
-          <a:lstStyle/>
-          <a:p>
-            <a:r>
-              <a:rPr lang="en-GB" dirty="0"/>
-              <a:t>V</a:t>
-            </a:r>
-            <a:r>
-              <a:rPr lang="en-CH" dirty="0"/>
-              <a:t>alue</a:t>
-            </a:r>
-          </a:p>
-        </p:txBody>
-      </p:sp>
-      <p:cxnSp>
-        <p:nvCxnSpPr>
-          <p:cNvPr id="31" name="Straight Connector 30">
-            <a:extLst>
-              <a:ext uri="{FF2B5EF4-FFF2-40B4-BE49-F238E27FC236}">
-                <a16:creationId xmlns:a16="http://schemas.microsoft.com/office/drawing/2014/main" id="{D909DDEF-6B6A-7844-9B62-B5F6BD4F06AE}"/>
-              </a:ext>
-            </a:extLst>
-          </p:cNvPr>
-          <p:cNvCxnSpPr/>
-          <p:nvPr/>
-        </p:nvCxnSpPr>
-        <p:spPr>
-          <a:xfrm>
-            <a:off x="9695618" y="3325981"/>
-            <a:ext cx="341869" cy="0"/>
-          </a:xfrm>
-          <a:prstGeom prst="line">
-            <a:avLst/>
-          </a:prstGeom>
-          <a:ln>
-            <a:solidFill>
-              <a:schemeClr val="tx1"/>
-            </a:solidFill>
-          </a:ln>
-        </p:spPr>
-        <p:style>
-          <a:lnRef idx="1">
-            <a:schemeClr val="accent1"/>
-          </a:lnRef>
-          <a:fillRef idx="0">
-            <a:schemeClr val="accent1"/>
-          </a:fillRef>
-          <a:effectRef idx="0">
-            <a:schemeClr val="accent1"/>
-          </a:effectRef>
-          <a:fontRef idx="minor">
-            <a:schemeClr val="tx1"/>
-          </a:fontRef>
-        </p:style>
-      </p:cxnSp>
-      <p:cxnSp>
-        <p:nvCxnSpPr>
-          <p:cNvPr id="32" name="Straight Connector 31">
-            <a:extLst>
-              <a:ext uri="{FF2B5EF4-FFF2-40B4-BE49-F238E27FC236}">
-                <a16:creationId xmlns:a16="http://schemas.microsoft.com/office/drawing/2014/main" id="{A8982727-2A4E-3D4E-ADEF-6B26A03B10F7}"/>
-              </a:ext>
-            </a:extLst>
-          </p:cNvPr>
-          <p:cNvCxnSpPr>
-            <a:cxnSpLocks/>
-          </p:cNvCxnSpPr>
-          <p:nvPr/>
-        </p:nvCxnSpPr>
-        <p:spPr>
-          <a:xfrm>
-            <a:off x="9723149" y="3553850"/>
-            <a:ext cx="341869" cy="0"/>
-          </a:xfrm>
-          <a:prstGeom prst="line">
-            <a:avLst/>
-          </a:prstGeom>
-          <a:ln>
-            <a:solidFill>
-              <a:schemeClr val="tx1"/>
-            </a:solidFill>
-          </a:ln>
-        </p:spPr>
-        <p:style>
-          <a:lnRef idx="1">
-            <a:schemeClr val="accent1"/>
-          </a:lnRef>
-          <a:fillRef idx="0">
-            <a:schemeClr val="accent1"/>
-          </a:fillRef>
-          <a:effectRef idx="0">
-            <a:schemeClr val="accent1"/>
-          </a:effectRef>
-          <a:fontRef idx="minor">
-            <a:schemeClr val="tx1"/>
-          </a:fontRef>
-        </p:style>
-      </p:cxnSp>
-      <p:cxnSp>
-        <p:nvCxnSpPr>
-          <p:cNvPr id="34" name="Straight Connector 33">
-            <a:extLst>
-              <a:ext uri="{FF2B5EF4-FFF2-40B4-BE49-F238E27FC236}">
-                <a16:creationId xmlns:a16="http://schemas.microsoft.com/office/drawing/2014/main" id="{09EDDC47-DB02-4F4B-91C0-56FD9549B94E}"/>
-              </a:ext>
-            </a:extLst>
-          </p:cNvPr>
-          <p:cNvCxnSpPr/>
-          <p:nvPr/>
-        </p:nvCxnSpPr>
-        <p:spPr>
-          <a:xfrm>
-            <a:off x="9723149" y="3787300"/>
-            <a:ext cx="341869" cy="0"/>
-          </a:xfrm>
-          <a:prstGeom prst="line">
-            <a:avLst/>
-          </a:prstGeom>
-          <a:ln>
-            <a:solidFill>
-              <a:schemeClr val="tx1"/>
-            </a:solidFill>
-          </a:ln>
-        </p:spPr>
-        <p:style>
-          <a:lnRef idx="1">
-            <a:schemeClr val="accent1"/>
-          </a:lnRef>
-          <a:fillRef idx="0">
-            <a:schemeClr val="accent1"/>
-          </a:fillRef>
-          <a:effectRef idx="0">
-            <a:schemeClr val="accent1"/>
-          </a:effectRef>
-          <a:fontRef idx="minor">
-            <a:schemeClr val="tx1"/>
-          </a:fontRef>
-        </p:style>
-      </p:cxnSp>
-      <p:sp>
-        <p:nvSpPr>
-          <p:cNvPr id="35" name="TextBox 34">
-            <a:extLst>
-              <a:ext uri="{FF2B5EF4-FFF2-40B4-BE49-F238E27FC236}">
-                <a16:creationId xmlns:a16="http://schemas.microsoft.com/office/drawing/2014/main" id="{28EC2AF1-7EC5-EB43-88C7-9AB7723C13B8}"/>
-              </a:ext>
-            </a:extLst>
-          </p:cNvPr>
-          <p:cNvSpPr txBox="1"/>
-          <p:nvPr/>
-        </p:nvSpPr>
-        <p:spPr>
-          <a:xfrm>
-            <a:off x="10065017" y="3115608"/>
-            <a:ext cx="1458097" cy="369332"/>
-          </a:xfrm>
-          <a:prstGeom prst="rect">
-            <a:avLst/>
-          </a:prstGeom>
-          <a:noFill/>
-        </p:spPr>
-        <p:txBody>
-          <a:bodyPr wrap="square" rtlCol="0">
-            <a:spAutoFit/>
-          </a:bodyPr>
-          <a:lstStyle/>
-          <a:p>
-            <a:r>
-              <a:rPr lang="en-GB" dirty="0"/>
-              <a:t>n</a:t>
-            </a:r>
-            <a:r>
-              <a:rPr lang="en-CH" dirty="0"/>
-              <a:t>ewValue</a:t>
-            </a:r>
-          </a:p>
-        </p:txBody>
-      </p:sp>
-      <p:sp>
-        <p:nvSpPr>
-          <p:cNvPr id="36" name="TextBox 35">
-            <a:extLst>
-              <a:ext uri="{FF2B5EF4-FFF2-40B4-BE49-F238E27FC236}">
-                <a16:creationId xmlns:a16="http://schemas.microsoft.com/office/drawing/2014/main" id="{1A62651D-C4C3-3F41-BE59-BE2120024E75}"/>
-              </a:ext>
-            </a:extLst>
-          </p:cNvPr>
-          <p:cNvSpPr txBox="1"/>
-          <p:nvPr/>
-        </p:nvSpPr>
-        <p:spPr>
-          <a:xfrm>
-            <a:off x="10194892" y="3338338"/>
-            <a:ext cx="312253" cy="369332"/>
-          </a:xfrm>
-          <a:prstGeom prst="rect">
-            <a:avLst/>
-          </a:prstGeom>
-          <a:noFill/>
-        </p:spPr>
-        <p:txBody>
-          <a:bodyPr wrap="square" rtlCol="0">
-            <a:spAutoFit/>
-          </a:bodyPr>
-          <a:lstStyle/>
-          <a:p>
-            <a:r>
-              <a:rPr lang="en-CH" dirty="0"/>
-              <a:t>…</a:t>
-            </a:r>
-          </a:p>
-        </p:txBody>
-      </p:sp>
-      <p:cxnSp>
-        <p:nvCxnSpPr>
-          <p:cNvPr id="38" name="Straight Arrow Connector 37">
-            <a:extLst>
-              <a:ext uri="{FF2B5EF4-FFF2-40B4-BE49-F238E27FC236}">
-                <a16:creationId xmlns:a16="http://schemas.microsoft.com/office/drawing/2014/main" id="{70E72454-3ED2-FB4B-9517-3629AA18973B}"/>
-              </a:ext>
-            </a:extLst>
-          </p:cNvPr>
-          <p:cNvCxnSpPr>
-            <a:cxnSpLocks/>
-          </p:cNvCxnSpPr>
-          <p:nvPr/>
-        </p:nvCxnSpPr>
-        <p:spPr>
-          <a:xfrm flipV="1">
-            <a:off x="10112831" y="1326177"/>
-            <a:ext cx="0" cy="1720521"/>
-          </a:xfrm>
-          <a:prstGeom prst="straightConnector1">
-            <a:avLst/>
-          </a:prstGeom>
-          <a:ln w="63500">
-            <a:solidFill>
-              <a:srgbClr val="00B050"/>
-            </a:solidFill>
-            <a:tailEnd type="triangle"/>
-          </a:ln>
-        </p:spPr>
-        <p:style>
-          <a:lnRef idx="1">
-            <a:schemeClr val="accent1"/>
-          </a:lnRef>
-          <a:fillRef idx="0">
-            <a:schemeClr val="accent1"/>
-          </a:fillRef>
-          <a:effectRef idx="0">
-            <a:schemeClr val="accent1"/>
-          </a:effectRef>
-          <a:fontRef idx="minor">
-            <a:schemeClr val="tx1"/>
-          </a:fontRef>
-        </p:style>
-      </p:cxnSp>
-      <p:sp>
-        <p:nvSpPr>
-          <p:cNvPr id="43" name="Left Bracket 42">
-            <a:extLst>
-              <a:ext uri="{FF2B5EF4-FFF2-40B4-BE49-F238E27FC236}">
-                <a16:creationId xmlns:a16="http://schemas.microsoft.com/office/drawing/2014/main" id="{0A3AB685-05EB-AC44-A2ED-5557CCCF4455}"/>
-              </a:ext>
-            </a:extLst>
-          </p:cNvPr>
-          <p:cNvSpPr/>
-          <p:nvPr/>
-        </p:nvSpPr>
-        <p:spPr>
-          <a:xfrm>
-            <a:off x="9505826" y="3245484"/>
-            <a:ext cx="143256" cy="641867"/>
-          </a:xfrm>
-          <a:prstGeom prst="leftBracket">
-            <a:avLst/>
-          </a:prstGeom>
-          <a:ln w="12700">
-            <a:solidFill>
-              <a:schemeClr val="tx1"/>
-            </a:solidFill>
-          </a:ln>
-        </p:spPr>
-        <p:style>
-          <a:lnRef idx="1">
-            <a:schemeClr val="accent1"/>
-          </a:lnRef>
-          <a:fillRef idx="0">
-            <a:schemeClr val="accent1"/>
-          </a:fillRef>
-          <a:effectRef idx="0">
-            <a:schemeClr val="accent1"/>
-          </a:effectRef>
-          <a:fontRef idx="minor">
-            <a:schemeClr val="tx1"/>
-          </a:fontRef>
-        </p:style>
-        <p:txBody>
-          <a:bodyPr rtlCol="0" anchor="ctr"/>
-          <a:lstStyle/>
-          <a:p>
-            <a:pPr algn="ctr"/>
-            <a:endParaRPr lang="en-CH"/>
-          </a:p>
-        </p:txBody>
-      </p:sp>
-      <p:cxnSp>
-        <p:nvCxnSpPr>
-          <p:cNvPr id="45" name="Straight Arrow Connector 44">
-            <a:extLst>
-              <a:ext uri="{FF2B5EF4-FFF2-40B4-BE49-F238E27FC236}">
-                <a16:creationId xmlns:a16="http://schemas.microsoft.com/office/drawing/2014/main" id="{42D76D68-524B-E543-8714-D812ED85A92F}"/>
-              </a:ext>
-            </a:extLst>
-          </p:cNvPr>
-          <p:cNvCxnSpPr>
-            <a:cxnSpLocks/>
-          </p:cNvCxnSpPr>
-          <p:nvPr/>
-        </p:nvCxnSpPr>
-        <p:spPr>
-          <a:xfrm>
-            <a:off x="4712676" y="3545320"/>
-            <a:ext cx="3642153" cy="0"/>
-          </a:xfrm>
-          <a:prstGeom prst="straightConnector1">
-            <a:avLst/>
-          </a:prstGeom>
-          <a:ln w="63500">
-            <a:solidFill>
-              <a:schemeClr val="tx1"/>
-            </a:solidFill>
-            <a:tailEnd type="triangle"/>
-          </a:ln>
-        </p:spPr>
-        <p:style>
-          <a:lnRef idx="1">
-            <a:schemeClr val="accent1"/>
-          </a:lnRef>
-          <a:fillRef idx="0">
-            <a:schemeClr val="accent1"/>
-          </a:fillRef>
-          <a:effectRef idx="0">
-            <a:schemeClr val="accent1"/>
-          </a:effectRef>
-          <a:fontRef idx="minor">
-            <a:schemeClr val="tx1"/>
-          </a:fontRef>
-        </p:style>
-      </p:cxnSp>
-      <p:sp>
-        <p:nvSpPr>
-          <p:cNvPr id="48" name="Can 47">
-            <a:extLst>
-              <a:ext uri="{FF2B5EF4-FFF2-40B4-BE49-F238E27FC236}">
-                <a16:creationId xmlns:a16="http://schemas.microsoft.com/office/drawing/2014/main" id="{DE46964F-922F-1846-9339-251C2240C2AC}"/>
-              </a:ext>
-            </a:extLst>
-          </p:cNvPr>
-          <p:cNvSpPr/>
-          <p:nvPr/>
-        </p:nvSpPr>
-        <p:spPr>
-          <a:xfrm rot="5400000">
-            <a:off x="5874225" y="2365746"/>
-            <a:ext cx="914400" cy="2360141"/>
-          </a:xfrm>
-          <a:prstGeom prst="can">
-            <a:avLst/>
-          </a:prstGeom>
-          <a:solidFill>
-            <a:schemeClr val="bg1">
-              <a:lumMod val="75000"/>
-            </a:schemeClr>
-          </a:solidFill>
-        </p:spPr>
-        <p:style>
-          <a:lnRef idx="2">
-            <a:schemeClr val="accent1">
-              <a:shade val="50000"/>
-            </a:schemeClr>
-          </a:lnRef>
-          <a:fillRef idx="1">
-            <a:schemeClr val="accent1"/>
-          </a:fillRef>
-          <a:effectRef idx="0">
-            <a:schemeClr val="accent1"/>
-          </a:effectRef>
-          <a:fontRef idx="minor">
-            <a:schemeClr val="lt1"/>
-          </a:fontRef>
-        </p:style>
-        <p:txBody>
-          <a:bodyPr rtlCol="0" anchor="ctr"/>
-          <a:lstStyle/>
-          <a:p>
-            <a:pPr algn="ctr"/>
-            <a:endParaRPr lang="en-CH"/>
-          </a:p>
-        </p:txBody>
-      </p:sp>
-      <p:sp>
-        <p:nvSpPr>
-          <p:cNvPr id="50" name="TextBox 49">
-            <a:extLst>
-              <a:ext uri="{FF2B5EF4-FFF2-40B4-BE49-F238E27FC236}">
-                <a16:creationId xmlns:a16="http://schemas.microsoft.com/office/drawing/2014/main" id="{FA256853-8FE3-464A-8D5C-916B6673E919}"/>
-              </a:ext>
-            </a:extLst>
-          </p:cNvPr>
-          <p:cNvSpPr txBox="1"/>
-          <p:nvPr/>
-        </p:nvSpPr>
-        <p:spPr>
-          <a:xfrm>
-            <a:off x="10112831" y="2073434"/>
-            <a:ext cx="2146845" cy="369332"/>
-          </a:xfrm>
-          <a:prstGeom prst="rect">
-            <a:avLst/>
-          </a:prstGeom>
-          <a:noFill/>
-        </p:spPr>
-        <p:txBody>
-          <a:bodyPr wrap="square" rtlCol="0">
-            <a:spAutoFit/>
-          </a:bodyPr>
-          <a:lstStyle/>
-          <a:p>
-            <a:r>
-              <a:rPr lang="en-CH" b="1" dirty="0">
-                <a:solidFill>
-                  <a:srgbClr val="00B050"/>
-                </a:solidFill>
-              </a:rPr>
-              <a:t>setValue(newValue)</a:t>
-            </a:r>
-          </a:p>
-        </p:txBody>
-      </p:sp>
-      <p:cxnSp>
-        <p:nvCxnSpPr>
-          <p:cNvPr id="52" name="Straight Arrow Connector 51">
-            <a:extLst>
-              <a:ext uri="{FF2B5EF4-FFF2-40B4-BE49-F238E27FC236}">
-                <a16:creationId xmlns:a16="http://schemas.microsoft.com/office/drawing/2014/main" id="{9E9DD2BD-D941-8A42-AF4A-603FE17B05FD}"/>
-              </a:ext>
-            </a:extLst>
-          </p:cNvPr>
-          <p:cNvCxnSpPr>
-            <a:cxnSpLocks/>
-          </p:cNvCxnSpPr>
-          <p:nvPr/>
-        </p:nvCxnSpPr>
-        <p:spPr>
-          <a:xfrm flipH="1">
-            <a:off x="2801816" y="4808252"/>
-            <a:ext cx="6921333" cy="1"/>
-          </a:xfrm>
-          <a:prstGeom prst="straightConnector1">
-            <a:avLst/>
-          </a:prstGeom>
-          <a:ln w="63500">
-            <a:solidFill>
-              <a:schemeClr val="tx1"/>
-            </a:solidFill>
-            <a:tailEnd type="triangle"/>
-          </a:ln>
-        </p:spPr>
-        <p:style>
-          <a:lnRef idx="1">
-            <a:schemeClr val="accent1"/>
-          </a:lnRef>
-          <a:fillRef idx="0">
-            <a:schemeClr val="accent1"/>
-          </a:fillRef>
-          <a:effectRef idx="0">
-            <a:schemeClr val="accent1"/>
-          </a:effectRef>
-          <a:fontRef idx="minor">
-            <a:schemeClr val="tx1"/>
-          </a:fontRef>
-        </p:style>
-      </p:cxnSp>
-      <p:sp>
-        <p:nvSpPr>
-          <p:cNvPr id="55" name="Can 54">
-            <a:extLst>
-              <a:ext uri="{FF2B5EF4-FFF2-40B4-BE49-F238E27FC236}">
-                <a16:creationId xmlns:a16="http://schemas.microsoft.com/office/drawing/2014/main" id="{FD329582-574F-8747-A2FE-8EE286D2EE1D}"/>
-              </a:ext>
-            </a:extLst>
-          </p:cNvPr>
-          <p:cNvSpPr/>
-          <p:nvPr/>
-        </p:nvSpPr>
-        <p:spPr>
-          <a:xfrm rot="16200000">
-            <a:off x="5885951" y="3628182"/>
-            <a:ext cx="914400" cy="2360141"/>
-          </a:xfrm>
-          <a:prstGeom prst="can">
-            <a:avLst/>
-          </a:prstGeom>
-          <a:solidFill>
-            <a:schemeClr val="bg1">
-              <a:lumMod val="75000"/>
-            </a:schemeClr>
-          </a:solidFill>
-        </p:spPr>
-        <p:style>
-          <a:lnRef idx="2">
-            <a:schemeClr val="accent1">
-              <a:shade val="50000"/>
-            </a:schemeClr>
-          </a:lnRef>
-          <a:fillRef idx="1">
-            <a:schemeClr val="accent1"/>
-          </a:fillRef>
-          <a:effectRef idx="0">
-            <a:schemeClr val="accent1"/>
-          </a:effectRef>
-          <a:fontRef idx="minor">
-            <a:schemeClr val="lt1"/>
-          </a:fontRef>
-        </p:style>
-        <p:txBody>
-          <a:bodyPr rtlCol="0" anchor="ctr"/>
-          <a:lstStyle/>
-          <a:p>
-            <a:pPr algn="ctr"/>
-            <a:endParaRPr lang="en-CH"/>
-          </a:p>
-        </p:txBody>
-      </p:sp>
-      <p:sp>
-        <p:nvSpPr>
-          <p:cNvPr id="56" name="Oval 55">
-            <a:extLst>
-              <a:ext uri="{FF2B5EF4-FFF2-40B4-BE49-F238E27FC236}">
-                <a16:creationId xmlns:a16="http://schemas.microsoft.com/office/drawing/2014/main" id="{D54F6556-E1D7-B041-A7A9-71FFBD11A64A}"/>
-              </a:ext>
-            </a:extLst>
-          </p:cNvPr>
-          <p:cNvSpPr/>
-          <p:nvPr/>
-        </p:nvSpPr>
-        <p:spPr>
-          <a:xfrm>
-            <a:off x="9943069" y="4421038"/>
-            <a:ext cx="850996" cy="855785"/>
-          </a:xfrm>
-          <a:prstGeom prst="ellipse">
-            <a:avLst/>
-          </a:prstGeom>
-          <a:solidFill>
-            <a:schemeClr val="bg1">
-              <a:lumMod val="75000"/>
-            </a:schemeClr>
-          </a:solidFill>
-          <a:ln>
-            <a:solidFill>
-              <a:schemeClr val="bg1">
-                <a:lumMod val="75000"/>
-              </a:schemeClr>
-            </a:solidFill>
-          </a:ln>
-        </p:spPr>
-        <p:style>
-          <a:lnRef idx="2">
-            <a:schemeClr val="accent1">
-              <a:shade val="50000"/>
-            </a:schemeClr>
-          </a:lnRef>
-          <a:fillRef idx="1">
-            <a:schemeClr val="accent1"/>
-          </a:fillRef>
-          <a:effectRef idx="0">
-            <a:schemeClr val="accent1"/>
-          </a:effectRef>
-          <a:fontRef idx="minor">
-            <a:schemeClr val="lt1"/>
-          </a:fontRef>
-        </p:style>
-        <p:txBody>
-          <a:bodyPr rtlCol="0" anchor="ctr"/>
-          <a:lstStyle/>
-          <a:p>
-            <a:pPr algn="ctr"/>
-            <a:endParaRPr lang="en-CH"/>
-          </a:p>
-        </p:txBody>
-      </p:sp>
-      <p:sp>
-        <p:nvSpPr>
-          <p:cNvPr id="57" name="TextBox 56">
-            <a:extLst>
-              <a:ext uri="{FF2B5EF4-FFF2-40B4-BE49-F238E27FC236}">
-                <a16:creationId xmlns:a16="http://schemas.microsoft.com/office/drawing/2014/main" id="{ED6BB674-DE21-3247-AAAF-26F1F89F87D1}"/>
-              </a:ext>
-            </a:extLst>
-          </p:cNvPr>
-          <p:cNvSpPr txBox="1"/>
-          <p:nvPr/>
-        </p:nvSpPr>
-        <p:spPr>
-          <a:xfrm>
-            <a:off x="9943069" y="4534700"/>
-            <a:ext cx="1494218" cy="646331"/>
-          </a:xfrm>
-          <a:prstGeom prst="rect">
-            <a:avLst/>
-          </a:prstGeom>
-          <a:noFill/>
-        </p:spPr>
-        <p:txBody>
-          <a:bodyPr wrap="square" rtlCol="0">
-            <a:spAutoFit/>
-          </a:bodyPr>
-          <a:lstStyle/>
-          <a:p>
-            <a:r>
-              <a:rPr lang="en-GB" dirty="0"/>
-              <a:t>U</a:t>
-            </a:r>
-            <a:r>
-              <a:rPr lang="en-CH" dirty="0"/>
-              <a:t>pdate button</a:t>
-            </a:r>
-          </a:p>
-        </p:txBody>
-      </p:sp>
-      <p:sp>
-        <p:nvSpPr>
-          <p:cNvPr id="58" name="TextBox 57">
-            <a:extLst>
-              <a:ext uri="{FF2B5EF4-FFF2-40B4-BE49-F238E27FC236}">
-                <a16:creationId xmlns:a16="http://schemas.microsoft.com/office/drawing/2014/main" id="{A5785D7B-74DD-0B43-BDFD-43D517D8CD93}"/>
-              </a:ext>
-            </a:extLst>
-          </p:cNvPr>
-          <p:cNvSpPr txBox="1"/>
-          <p:nvPr/>
-        </p:nvSpPr>
-        <p:spPr>
-          <a:xfrm>
-            <a:off x="1152308" y="4623586"/>
-            <a:ext cx="1661549" cy="369332"/>
-          </a:xfrm>
-          <a:prstGeom prst="rect">
-            <a:avLst/>
-          </a:prstGeom>
-          <a:noFill/>
-        </p:spPr>
-        <p:txBody>
-          <a:bodyPr wrap="square" rtlCol="0">
-            <a:spAutoFit/>
-          </a:bodyPr>
-          <a:lstStyle/>
-          <a:p>
-            <a:r>
-              <a:rPr lang="en-GB" b="1" dirty="0">
-                <a:solidFill>
-                  <a:srgbClr val="00B0F0"/>
-                </a:solidFill>
-              </a:rPr>
-              <a:t>i</a:t>
-            </a:r>
-            <a:r>
-              <a:rPr lang="en-CH" b="1" dirty="0">
-                <a:solidFill>
-                  <a:srgbClr val="00B0F0"/>
-                </a:solidFill>
-              </a:rPr>
-              <a:t>nput$update</a:t>
-            </a:r>
-          </a:p>
-        </p:txBody>
-      </p:sp>
-      <p:cxnSp>
-        <p:nvCxnSpPr>
-          <p:cNvPr id="60" name="Straight Arrow Connector 59">
-            <a:extLst>
-              <a:ext uri="{FF2B5EF4-FFF2-40B4-BE49-F238E27FC236}">
-                <a16:creationId xmlns:a16="http://schemas.microsoft.com/office/drawing/2014/main" id="{7ECA88FD-A3C2-BC4E-84AB-537A62E9CAB1}"/>
-              </a:ext>
-            </a:extLst>
-          </p:cNvPr>
-          <p:cNvCxnSpPr>
-            <a:cxnSpLocks/>
-          </p:cNvCxnSpPr>
-          <p:nvPr/>
-        </p:nvCxnSpPr>
-        <p:spPr>
-          <a:xfrm flipV="1">
-            <a:off x="1801171" y="3787300"/>
-            <a:ext cx="0" cy="827029"/>
-          </a:xfrm>
-          <a:prstGeom prst="straightConnector1">
-            <a:avLst/>
-          </a:prstGeom>
-          <a:ln w="63500">
-            <a:solidFill>
-              <a:schemeClr val="tx1"/>
-            </a:solidFill>
-            <a:tailEnd type="triangle"/>
-          </a:ln>
-        </p:spPr>
-        <p:style>
-          <a:lnRef idx="1">
-            <a:schemeClr val="accent1"/>
-          </a:lnRef>
-          <a:fillRef idx="0">
-            <a:schemeClr val="accent1"/>
-          </a:fillRef>
-          <a:effectRef idx="0">
-            <a:schemeClr val="accent1"/>
-          </a:effectRef>
-          <a:fontRef idx="minor">
-            <a:schemeClr val="tx1"/>
-          </a:fontRef>
-        </p:style>
-      </p:cxnSp>
-      <p:sp>
-        <p:nvSpPr>
-          <p:cNvPr id="65" name="TextBox 64">
-            <a:extLst>
-              <a:ext uri="{FF2B5EF4-FFF2-40B4-BE49-F238E27FC236}">
-                <a16:creationId xmlns:a16="http://schemas.microsoft.com/office/drawing/2014/main" id="{8C44F8ED-1833-7545-BC6A-5E9794C5078B}"/>
-              </a:ext>
-            </a:extLst>
-          </p:cNvPr>
-          <p:cNvSpPr txBox="1"/>
-          <p:nvPr/>
-        </p:nvSpPr>
-        <p:spPr>
-          <a:xfrm>
-            <a:off x="734740" y="4111051"/>
-            <a:ext cx="894219" cy="369332"/>
-          </a:xfrm>
-          <a:prstGeom prst="rect">
-            <a:avLst/>
-          </a:prstGeom>
-          <a:noFill/>
-        </p:spPr>
-        <p:txBody>
-          <a:bodyPr wrap="none" rtlCol="0">
-            <a:spAutoFit/>
-          </a:bodyPr>
-          <a:lstStyle/>
-          <a:p>
-            <a:r>
-              <a:rPr lang="en-CH" dirty="0"/>
-              <a:t>triggers</a:t>
-            </a:r>
-          </a:p>
-        </p:txBody>
-      </p:sp>
-      <p:sp>
-        <p:nvSpPr>
-          <p:cNvPr id="66" name="Rectangle 65">
-            <a:extLst>
-              <a:ext uri="{FF2B5EF4-FFF2-40B4-BE49-F238E27FC236}">
-                <a16:creationId xmlns:a16="http://schemas.microsoft.com/office/drawing/2014/main" id="{6709341C-3305-B74F-B1D6-99F926237B43}"/>
-              </a:ext>
-            </a:extLst>
-          </p:cNvPr>
-          <p:cNvSpPr/>
-          <p:nvPr/>
-        </p:nvSpPr>
-        <p:spPr>
-          <a:xfrm>
-            <a:off x="1801171" y="1407881"/>
-            <a:ext cx="2850589" cy="369332"/>
-          </a:xfrm>
-          <a:prstGeom prst="rect">
-            <a:avLst/>
-          </a:prstGeom>
-        </p:spPr>
-        <p:txBody>
-          <a:bodyPr wrap="none">
-            <a:spAutoFit/>
-          </a:bodyPr>
-          <a:lstStyle/>
-          <a:p>
-            <a:r>
-              <a:rPr lang="en-GB" dirty="0"/>
-              <a:t>m</a:t>
-            </a:r>
-            <a:r>
-              <a:rPr lang="en-CH" dirty="0"/>
-              <a:t>essage &lt;- list(value = …, …)</a:t>
-            </a:r>
-          </a:p>
-        </p:txBody>
-      </p:sp>
-      <p:cxnSp>
-        <p:nvCxnSpPr>
-          <p:cNvPr id="67" name="Straight Arrow Connector 66">
-            <a:extLst>
-              <a:ext uri="{FF2B5EF4-FFF2-40B4-BE49-F238E27FC236}">
-                <a16:creationId xmlns:a16="http://schemas.microsoft.com/office/drawing/2014/main" id="{130DD9EA-9004-E142-875F-E98B0E56921F}"/>
-              </a:ext>
-            </a:extLst>
-          </p:cNvPr>
-          <p:cNvCxnSpPr>
-            <a:cxnSpLocks/>
-          </p:cNvCxnSpPr>
-          <p:nvPr/>
-        </p:nvCxnSpPr>
-        <p:spPr>
-          <a:xfrm>
-            <a:off x="3750648" y="1897817"/>
-            <a:ext cx="0" cy="1531183"/>
-          </a:xfrm>
-          <a:prstGeom prst="straightConnector1">
-            <a:avLst/>
-          </a:prstGeom>
-          <a:ln w="63500">
-            <a:solidFill>
-              <a:schemeClr val="tx1"/>
-            </a:solidFill>
-            <a:tailEnd type="triangle"/>
-          </a:ln>
-        </p:spPr>
-        <p:style>
-          <a:lnRef idx="1">
-            <a:schemeClr val="accent1"/>
-          </a:lnRef>
-          <a:fillRef idx="0">
-            <a:schemeClr val="accent1"/>
-          </a:fillRef>
-          <a:effectRef idx="0">
-            <a:schemeClr val="accent1"/>
-          </a:effectRef>
-          <a:fontRef idx="minor">
-            <a:schemeClr val="tx1"/>
-          </a:fontRef>
-        </p:style>
-      </p:cxnSp>
-      <p:sp>
-        <p:nvSpPr>
-          <p:cNvPr id="73" name="TextBox 72">
-            <a:extLst>
-              <a:ext uri="{FF2B5EF4-FFF2-40B4-BE49-F238E27FC236}">
-                <a16:creationId xmlns:a16="http://schemas.microsoft.com/office/drawing/2014/main" id="{70C216B7-3000-DA40-9548-EDF0A25B0F42}"/>
-              </a:ext>
-            </a:extLst>
-          </p:cNvPr>
-          <p:cNvSpPr txBox="1"/>
-          <p:nvPr/>
-        </p:nvSpPr>
-        <p:spPr>
-          <a:xfrm>
-            <a:off x="10830365" y="4623586"/>
-            <a:ext cx="679108" cy="369332"/>
-          </a:xfrm>
-          <a:prstGeom prst="rect">
-            <a:avLst/>
-          </a:prstGeom>
-          <a:noFill/>
-        </p:spPr>
-        <p:txBody>
-          <a:bodyPr wrap="square" rtlCol="0">
-            <a:spAutoFit/>
-          </a:bodyPr>
-          <a:lstStyle/>
-          <a:p>
-            <a:r>
-              <a:rPr lang="en-CH" b="1" dirty="0"/>
-              <a:t>(1)</a:t>
-            </a:r>
-          </a:p>
-        </p:txBody>
-      </p:sp>
-      <p:sp>
-        <p:nvSpPr>
-          <p:cNvPr id="74" name="TextBox 73">
-            <a:extLst>
-              <a:ext uri="{FF2B5EF4-FFF2-40B4-BE49-F238E27FC236}">
-                <a16:creationId xmlns:a16="http://schemas.microsoft.com/office/drawing/2014/main" id="{8C9FCD89-C884-5643-86E8-78D0E934C25A}"/>
-              </a:ext>
-            </a:extLst>
-          </p:cNvPr>
-          <p:cNvSpPr txBox="1"/>
-          <p:nvPr/>
-        </p:nvSpPr>
-        <p:spPr>
-          <a:xfrm>
-            <a:off x="2026165" y="4066174"/>
-            <a:ext cx="679108" cy="369332"/>
-          </a:xfrm>
-          <a:prstGeom prst="rect">
-            <a:avLst/>
-          </a:prstGeom>
-          <a:noFill/>
-        </p:spPr>
-        <p:txBody>
-          <a:bodyPr wrap="square" rtlCol="0">
-            <a:spAutoFit/>
-          </a:bodyPr>
-          <a:lstStyle/>
-          <a:p>
-            <a:r>
-              <a:rPr lang="en-CH" b="1" dirty="0"/>
-              <a:t>(2)</a:t>
-            </a:r>
-          </a:p>
-        </p:txBody>
-      </p:sp>
-      <p:sp>
-        <p:nvSpPr>
-          <p:cNvPr id="75" name="TextBox 74">
-            <a:extLst>
-              <a:ext uri="{FF2B5EF4-FFF2-40B4-BE49-F238E27FC236}">
-                <a16:creationId xmlns:a16="http://schemas.microsoft.com/office/drawing/2014/main" id="{4F078988-3153-1E49-A1D0-16F4C5C37AB8}"/>
-              </a:ext>
-            </a:extLst>
-          </p:cNvPr>
-          <p:cNvSpPr txBox="1"/>
-          <p:nvPr/>
-        </p:nvSpPr>
-        <p:spPr>
-          <a:xfrm>
-            <a:off x="9554529" y="2093561"/>
-            <a:ext cx="679108" cy="369332"/>
-          </a:xfrm>
-          <a:prstGeom prst="rect">
-            <a:avLst/>
-          </a:prstGeom>
-          <a:noFill/>
-        </p:spPr>
-        <p:txBody>
-          <a:bodyPr wrap="square" rtlCol="0">
-            <a:spAutoFit/>
-          </a:bodyPr>
-          <a:lstStyle/>
-          <a:p>
-            <a:r>
-              <a:rPr lang="en-CH" b="1" dirty="0"/>
-              <a:t>(3)</a:t>
-            </a:r>
-          </a:p>
-        </p:txBody>
-      </p:sp>
-      <p:sp>
-        <p:nvSpPr>
-          <p:cNvPr id="76" name="TextBox 75">
-            <a:extLst>
-              <a:ext uri="{FF2B5EF4-FFF2-40B4-BE49-F238E27FC236}">
-                <a16:creationId xmlns:a16="http://schemas.microsoft.com/office/drawing/2014/main" id="{F54C6343-9698-6D44-8C74-B958061EB8F6}"/>
-              </a:ext>
-            </a:extLst>
-          </p:cNvPr>
-          <p:cNvSpPr txBox="1"/>
-          <p:nvPr/>
-        </p:nvSpPr>
-        <p:spPr>
-          <a:xfrm>
-            <a:off x="9756942" y="5407752"/>
-            <a:ext cx="2146845" cy="369332"/>
-          </a:xfrm>
-          <a:prstGeom prst="rect">
-            <a:avLst/>
-          </a:prstGeom>
-          <a:noFill/>
-        </p:spPr>
-        <p:txBody>
-          <a:bodyPr wrap="square" rtlCol="0">
-            <a:spAutoFit/>
-          </a:bodyPr>
-          <a:lstStyle/>
-          <a:p>
-            <a:r>
-              <a:rPr lang="en-GB" dirty="0"/>
-              <a:t>U</a:t>
-            </a:r>
-            <a:r>
-              <a:rPr lang="en-CH" dirty="0"/>
-              <a:t>ser action -&gt; click</a:t>
-            </a:r>
-          </a:p>
-        </p:txBody>
-      </p:sp>
-      <p:sp>
-        <p:nvSpPr>
-          <p:cNvPr id="79" name="TextBox 78">
-            <a:extLst>
-              <a:ext uri="{FF2B5EF4-FFF2-40B4-BE49-F238E27FC236}">
-                <a16:creationId xmlns:a16="http://schemas.microsoft.com/office/drawing/2014/main" id="{13609CEE-A4AB-854C-A1F2-AEC28072E957}"/>
-              </a:ext>
-            </a:extLst>
-          </p:cNvPr>
-          <p:cNvSpPr txBox="1"/>
-          <p:nvPr/>
-        </p:nvSpPr>
-        <p:spPr>
-          <a:xfrm>
-            <a:off x="10699143" y="4955387"/>
-            <a:ext cx="1661549" cy="369332"/>
-          </a:xfrm>
-          <a:prstGeom prst="rect">
-            <a:avLst/>
-          </a:prstGeom>
-          <a:noFill/>
-        </p:spPr>
-        <p:txBody>
-          <a:bodyPr wrap="square" rtlCol="0">
-            <a:spAutoFit/>
-          </a:bodyPr>
-          <a:lstStyle/>
-          <a:p>
-            <a:r>
-              <a:rPr lang="en-GB" b="1" dirty="0">
-                <a:solidFill>
-                  <a:srgbClr val="00B0F0"/>
-                </a:solidFill>
-              </a:rPr>
-              <a:t>i</a:t>
-            </a:r>
-            <a:r>
-              <a:rPr lang="en-CH" b="1" dirty="0">
-                <a:solidFill>
-                  <a:srgbClr val="00B0F0"/>
-                </a:solidFill>
-              </a:rPr>
-              <a:t>nput$update</a:t>
-            </a:r>
-          </a:p>
-        </p:txBody>
-      </p:sp>
-      <p:sp>
-        <p:nvSpPr>
-          <p:cNvPr id="80" name="Rectangle 79">
-            <a:extLst>
-              <a:ext uri="{FF2B5EF4-FFF2-40B4-BE49-F238E27FC236}">
-                <a16:creationId xmlns:a16="http://schemas.microsoft.com/office/drawing/2014/main" id="{6D44C07C-5CDA-8547-B769-782BC9D18121}"/>
-              </a:ext>
-            </a:extLst>
-          </p:cNvPr>
-          <p:cNvSpPr/>
-          <p:nvPr/>
-        </p:nvSpPr>
-        <p:spPr>
-          <a:xfrm>
-            <a:off x="7804528" y="337859"/>
-            <a:ext cx="755913" cy="369332"/>
-          </a:xfrm>
-          <a:prstGeom prst="rect">
-            <a:avLst/>
-          </a:prstGeom>
-        </p:spPr>
-        <p:txBody>
-          <a:bodyPr wrap="none">
-            <a:spAutoFit/>
-          </a:bodyPr>
-          <a:lstStyle/>
-          <a:p>
-            <a:r>
-              <a:rPr lang="en-CH" b="1" dirty="0">
-                <a:solidFill>
-                  <a:srgbClr val="C00000"/>
-                </a:solidFill>
-              </a:rPr>
-              <a:t>target</a:t>
-            </a:r>
-          </a:p>
-        </p:txBody>
-      </p:sp>
-    </p:spTree>
-    <p:extLst>
-      <p:ext uri="{BB962C8B-B14F-4D97-AF65-F5344CB8AC3E}">
-        <p14:creationId xmlns:p14="http://schemas.microsoft.com/office/powerpoint/2010/main" val="1049514807"/>
       </p:ext>
     </p:extLst>
   </p:cSld>
